--- a/presentation.pptx
+++ b/presentation.pptx
@@ -108,7 +108,7 @@
   </p:defaultTextStyle>
   <p:extLst>
     <p:ext uri="{EFAFB233-063F-42B5-8137-9DF3F51BA10A}">
-      <p15:sldGuideLst xmlns:p15="http://schemas.microsoft.com/office/powerpoint/2012/main" xmlns="">
+      <p15:sldGuideLst xmlns="" xmlns:p15="http://schemas.microsoft.com/office/powerpoint/2012/main">
         <p15:guide id="1" orient="horz" pos="2160" userDrawn="1">
           <p15:clr>
             <a:srgbClr val="A4A3A4"/>
@@ -271,7 +271,7 @@
           <a:p>
             <a:fld id="{53967C47-44EA-B345-ABA1-B85D062AF0AB}" type="datetimeFigureOut">
               <a:rPr lang="en-US" smtClean="0"/>
-              <a:t>2014/05/29</a:t>
+              <a:t>2014/06/04</a:t>
             </a:fld>
             <a:endParaRPr lang="en-US" dirty="0"/>
           </a:p>
@@ -750,7 +750,7 @@
           <a:p>
             <a:fld id="{53967C47-44EA-B345-ABA1-B85D062AF0AB}" type="datetimeFigureOut">
               <a:rPr lang="en-US" smtClean="0"/>
-              <a:t>2014/05/29</a:t>
+              <a:t>2014/06/04</a:t>
             </a:fld>
             <a:endParaRPr lang="en-US"/>
           </a:p>
@@ -961,7 +961,7 @@
           <a:p>
             <a:fld id="{53967C47-44EA-B345-ABA1-B85D062AF0AB}" type="datetimeFigureOut">
               <a:rPr lang="en-US" smtClean="0"/>
-              <a:t>2014/05/29</a:t>
+              <a:t>2014/06/04</a:t>
             </a:fld>
             <a:endParaRPr lang="en-US"/>
           </a:p>
@@ -1232,7 +1232,7 @@
           <a:p>
             <a:fld id="{53967C47-44EA-B345-ABA1-B85D062AF0AB}" type="datetimeFigureOut">
               <a:rPr lang="en-US" smtClean="0"/>
-              <a:t>2014/05/29</a:t>
+              <a:t>2014/06/04</a:t>
             </a:fld>
             <a:endParaRPr lang="en-US"/>
           </a:p>
@@ -1509,7 +1509,7 @@
           <a:p>
             <a:fld id="{53967C47-44EA-B345-ABA1-B85D062AF0AB}" type="datetimeFigureOut">
               <a:rPr lang="en-US" smtClean="0"/>
-              <a:t>2014/05/29</a:t>
+              <a:t>2014/06/04</a:t>
             </a:fld>
             <a:endParaRPr lang="en-US"/>
           </a:p>
@@ -1897,7 +1897,7 @@
           <a:p>
             <a:fld id="{53967C47-44EA-B345-ABA1-B85D062AF0AB}" type="datetimeFigureOut">
               <a:rPr lang="en-US" smtClean="0"/>
-              <a:t>2014/05/29</a:t>
+              <a:t>2014/06/04</a:t>
             </a:fld>
             <a:endParaRPr lang="en-US"/>
           </a:p>
@@ -2295,7 +2295,7 @@
           <a:p>
             <a:fld id="{53967C47-44EA-B345-ABA1-B85D062AF0AB}" type="datetimeFigureOut">
               <a:rPr lang="en-US" smtClean="0"/>
-              <a:t>2014/05/29</a:t>
+              <a:t>2014/06/04</a:t>
             </a:fld>
             <a:endParaRPr lang="en-US"/>
           </a:p>
@@ -2444,7 +2444,7 @@
           <a:p>
             <a:fld id="{53967C47-44EA-B345-ABA1-B85D062AF0AB}" type="datetimeFigureOut">
               <a:rPr lang="en-US" smtClean="0"/>
-              <a:t>2014/05/29</a:t>
+              <a:t>2014/06/04</a:t>
             </a:fld>
             <a:endParaRPr lang="en-US"/>
           </a:p>
@@ -2570,7 +2570,7 @@
           <a:p>
             <a:fld id="{53967C47-44EA-B345-ABA1-B85D062AF0AB}" type="datetimeFigureOut">
               <a:rPr lang="en-US" smtClean="0"/>
-              <a:t>2014/05/29</a:t>
+              <a:t>2014/06/04</a:t>
             </a:fld>
             <a:endParaRPr lang="en-US"/>
           </a:p>
@@ -2878,7 +2878,7 @@
           <a:p>
             <a:fld id="{53967C47-44EA-B345-ABA1-B85D062AF0AB}" type="datetimeFigureOut">
               <a:rPr lang="en-US" smtClean="0"/>
-              <a:t>2014/05/29</a:t>
+              <a:t>2014/06/04</a:t>
             </a:fld>
             <a:endParaRPr lang="en-US"/>
           </a:p>
@@ -3166,7 +3166,7 @@
           <a:p>
             <a:fld id="{53967C47-44EA-B345-ABA1-B85D062AF0AB}" type="datetimeFigureOut">
               <a:rPr lang="en-US" smtClean="0"/>
-              <a:t>2014/05/29</a:t>
+              <a:t>2014/06/04</a:t>
             </a:fld>
             <a:endParaRPr lang="en-US"/>
           </a:p>
@@ -3616,7 +3616,7 @@
             <a:fld id="{53967C47-44EA-B345-ABA1-B85D062AF0AB}" type="datetimeFigureOut">
               <a:rPr lang="en-US" smtClean="0"/>
               <a:pPr/>
-              <a:t>2014/05/29</a:t>
+              <a:t>2014/06/04</a:t>
             </a:fld>
             <a:endParaRPr lang="en-US"/>
           </a:p>
@@ -4621,7 +4621,7 @@
       </p:sp>
       <p:pic>
         <p:nvPicPr>
-          <p:cNvPr id="12" name="図 11" descr="skill.png"/>
+          <p:cNvPr id="4" name="図 3" descr="skill.png"/>
           <p:cNvPicPr>
             <a:picLocks noChangeAspect="1"/>
           </p:cNvPicPr>
@@ -4641,7 +4641,7 @@
         </p:blipFill>
         <p:spPr>
           <a:xfrm>
-            <a:off x="894689" y="1697861"/>
+            <a:off x="1092200" y="1625600"/>
             <a:ext cx="8191500" cy="4445000"/>
           </a:xfrm>
           <a:prstGeom prst="rect">
@@ -4924,7 +4924,7 @@
   <a:extraClrSchemeLst/>
   <a:extLst>
     <a:ext uri="{05A4C25C-085E-4340-85A3-A5531E510DB2}">
-      <thm15:themeFamily xmlns:thm15="http://schemas.microsoft.com/office/thememl/2012/main" xmlns="" name="presentation_tpl.potx" id="{48EF1B83-CEB1-4137-9E6B-5C6D071E1F9D}" vid="{256BAA27-5093-4A5E-839C-375614DF5E8B}"/>
+      <thm15:themeFamily xmlns="" xmlns:thm15="http://schemas.microsoft.com/office/thememl/2012/main" name="presentation_tpl.potx" id="{48EF1B83-CEB1-4137-9E6B-5C6D071E1F9D}" vid="{256BAA27-5093-4A5E-839C-375614DF5E8B}"/>
     </a:ext>
   </a:extLst>
 </a:theme>
